--- a/doc/20_基本設計/04_運用系/【CS】基本設計-運用設計書.pptx
+++ b/doc/20_基本設計/04_運用系/【CS】基本設計-運用設計書.pptx
@@ -106,6 +106,11 @@
       </a:defRPr>
     </a:lvl9pPr>
   </p:defaultTextStyle>
+  <p:extLst>
+    <p:ext uri="{EFAFB233-063F-42B5-8137-9DF3F51BA10A}">
+      <p15:sldGuideLst xmlns:p15="http://schemas.microsoft.com/office/powerpoint/2012/main"/>
+    </p:ext>
+  </p:extLst>
 </p:presentation>
 </file>
 
@@ -3812,6 +3817,14 @@
               <a:rPr kumimoji="1" lang="ja-JP" altLang="en-US" dirty="0"/>
               <a:t>開発体制</a:t>
             </a:r>
+            <a:r>
+              <a:rPr kumimoji="1" lang="en-US" altLang="ja-JP" dirty="0"/>
+              <a:t>-</a:t>
+            </a:r>
+            <a:r>
+              <a:rPr kumimoji="1" lang="ja-JP" altLang="en-US" dirty="0"/>
+              <a:t>基本設計</a:t>
+            </a:r>
           </a:p>
         </p:txBody>
       </p:sp>
@@ -3857,11 +3870,8 @@
             <a:pPr algn="ctr"/>
             <a:r>
               <a:rPr kumimoji="1" lang="en-US" altLang="zh-CN" sz="2000" b="1" dirty="0"/>
-              <a:t>Project manager</a:t>
-            </a:r>
-          </a:p>
-          <a:p>
-            <a:pPr algn="ctr"/>
+              <a:t>Project Leader</a:t>
+            </a:r>
             <a:r>
               <a:rPr kumimoji="1" lang="ja-JP" altLang="en-US" sz="2000" b="1" dirty="0"/>
               <a:t>（</a:t>
@@ -4153,7 +4163,7 @@
                   </a:outerShdw>
                 </a:effectLst>
               </a:rPr>
-              <a:t>PM</a:t>
+              <a:t>PL</a:t>
             </a:r>
             <a:endParaRPr lang="ja-JP" altLang="en-US" sz="2000" b="1" cap="none" spc="0" dirty="0">
               <a:ln w="10160">
@@ -4190,8 +4200,8 @@
         </p:nvSpPr>
         <p:spPr>
           <a:xfrm>
-            <a:off x="2706062" y="5610575"/>
-            <a:ext cx="881121" cy="400110"/>
+            <a:off x="2638721" y="5522690"/>
+            <a:ext cx="1349103" cy="400110"/>
           </a:xfrm>
           <a:prstGeom prst="rect">
             <a:avLst/>
@@ -4206,7 +4216,7 @@
           <a:p>
             <a:pPr algn="ctr"/>
             <a:r>
-              <a:rPr lang="en-US" altLang="ja-JP" sz="2000" b="1" dirty="0">
+              <a:rPr lang="ja-JP" altLang="en-US" sz="2000" b="1" dirty="0">
                 <a:ln w="10160">
                   <a:solidFill>
                     <a:schemeClr val="accent5"/>
@@ -4224,149 +4234,7 @@
                   </a:outerShdw>
                 </a:effectLst>
               </a:rPr>
-              <a:t>PL</a:t>
-            </a:r>
-            <a:endParaRPr lang="ja-JP" altLang="en-US" sz="2000" b="1" cap="none" spc="0" dirty="0">
-              <a:ln w="10160">
-                <a:solidFill>
-                  <a:schemeClr val="accent5"/>
-                </a:solidFill>
-                <a:prstDash val="solid"/>
-              </a:ln>
-              <a:solidFill>
-                <a:srgbClr val="FFFFFF"/>
-              </a:solidFill>
-              <a:effectLst>
-                <a:outerShdw blurRad="38100" dist="22860" dir="5400000" algn="tl" rotWithShape="0">
-                  <a:srgbClr val="000000">
-                    <a:alpha val="30000"/>
-                  </a:srgbClr>
-                </a:outerShdw>
-              </a:effectLst>
-            </a:endParaRPr>
-          </a:p>
-        </p:txBody>
-      </p:sp>
-      <p:sp>
-        <p:nvSpPr>
-          <p:cNvPr id="16" name="正方形/長方形 15">
-            <a:extLst>
-              <a:ext uri="{FF2B5EF4-FFF2-40B4-BE49-F238E27FC236}">
-                <a16:creationId xmlns:a16="http://schemas.microsoft.com/office/drawing/2014/main" id="{CC8CBD4D-16AB-3D07-6718-509A6B324855}"/>
-              </a:ext>
-            </a:extLst>
-          </p:cNvPr>
-          <p:cNvSpPr/>
-          <p:nvPr/>
-        </p:nvSpPr>
-        <p:spPr>
-          <a:xfrm>
-            <a:off x="6634796" y="5610575"/>
-            <a:ext cx="881121" cy="400110"/>
-          </a:xfrm>
-          <a:prstGeom prst="rect">
-            <a:avLst/>
-          </a:prstGeom>
-          <a:noFill/>
-        </p:spPr>
-        <p:txBody>
-          <a:bodyPr wrap="square" lIns="91440" tIns="45720" rIns="91440" bIns="45720">
-            <a:spAutoFit/>
-          </a:bodyPr>
-          <a:lstStyle/>
-          <a:p>
-            <a:pPr algn="ctr"/>
-            <a:r>
-              <a:rPr lang="en-US" altLang="ja-JP" sz="2000" b="1" dirty="0">
-                <a:ln w="10160">
-                  <a:solidFill>
-                    <a:schemeClr val="accent5"/>
-                  </a:solidFill>
-                  <a:prstDash val="solid"/>
-                </a:ln>
-                <a:solidFill>
-                  <a:srgbClr val="FFFFFF"/>
-                </a:solidFill>
-                <a:effectLst>
-                  <a:outerShdw blurRad="38100" dist="22860" dir="5400000" algn="tl" rotWithShape="0">
-                    <a:srgbClr val="000000">
-                      <a:alpha val="30000"/>
-                    </a:srgbClr>
-                  </a:outerShdw>
-                </a:effectLst>
-              </a:rPr>
-              <a:t>PL</a:t>
-            </a:r>
-            <a:endParaRPr lang="ja-JP" altLang="en-US" sz="2000" b="1" cap="none" spc="0" dirty="0">
-              <a:ln w="10160">
-                <a:solidFill>
-                  <a:schemeClr val="accent5"/>
-                </a:solidFill>
-                <a:prstDash val="solid"/>
-              </a:ln>
-              <a:solidFill>
-                <a:srgbClr val="FFFFFF"/>
-              </a:solidFill>
-              <a:effectLst>
-                <a:outerShdw blurRad="38100" dist="22860" dir="5400000" algn="tl" rotWithShape="0">
-                  <a:srgbClr val="000000">
-                    <a:alpha val="30000"/>
-                  </a:srgbClr>
-                </a:outerShdw>
-              </a:effectLst>
-            </a:endParaRPr>
-          </a:p>
-        </p:txBody>
-      </p:sp>
-      <p:sp>
-        <p:nvSpPr>
-          <p:cNvPr id="17" name="正方形/長方形 16">
-            <a:extLst>
-              <a:ext uri="{FF2B5EF4-FFF2-40B4-BE49-F238E27FC236}">
-                <a16:creationId xmlns:a16="http://schemas.microsoft.com/office/drawing/2014/main" id="{3FC94872-FD76-33AE-BD3A-E293A8B99483}"/>
-              </a:ext>
-            </a:extLst>
-          </p:cNvPr>
-          <p:cNvSpPr/>
-          <p:nvPr/>
-        </p:nvSpPr>
-        <p:spPr>
-          <a:xfrm>
-            <a:off x="10563622" y="5610575"/>
-            <a:ext cx="881121" cy="400110"/>
-          </a:xfrm>
-          <a:prstGeom prst="rect">
-            <a:avLst/>
-          </a:prstGeom>
-          <a:noFill/>
-        </p:spPr>
-        <p:txBody>
-          <a:bodyPr wrap="square" lIns="91440" tIns="45720" rIns="91440" bIns="45720">
-            <a:spAutoFit/>
-          </a:bodyPr>
-          <a:lstStyle/>
-          <a:p>
-            <a:pPr algn="ctr"/>
-            <a:r>
-              <a:rPr lang="en-US" altLang="ja-JP" sz="2000" b="1" dirty="0">
-                <a:ln w="10160">
-                  <a:solidFill>
-                    <a:schemeClr val="accent5"/>
-                  </a:solidFill>
-                  <a:prstDash val="solid"/>
-                </a:ln>
-                <a:solidFill>
-                  <a:srgbClr val="FFFFFF"/>
-                </a:solidFill>
-                <a:effectLst>
-                  <a:outerShdw blurRad="38100" dist="22860" dir="5400000" algn="tl" rotWithShape="0">
-                    <a:srgbClr val="000000">
-                      <a:alpha val="30000"/>
-                    </a:srgbClr>
-                  </a:outerShdw>
-                </a:effectLst>
-              </a:rPr>
-              <a:t>PL</a:t>
+              <a:t>メンバー</a:t>
             </a:r>
             <a:endParaRPr lang="ja-JP" altLang="en-US" sz="2000" b="1" cap="none" spc="0" dirty="0">
               <a:ln w="10160">
@@ -4518,6 +4386,148 @@
           </a:fontRef>
         </p:style>
       </p:cxnSp>
+      <p:sp>
+        <p:nvSpPr>
+          <p:cNvPr id="3" name="正方形/長方形 2">
+            <a:extLst>
+              <a:ext uri="{FF2B5EF4-FFF2-40B4-BE49-F238E27FC236}">
+                <a16:creationId xmlns:a16="http://schemas.microsoft.com/office/drawing/2014/main" id="{E470921F-05C5-101C-5B3A-256FF8F8F287}"/>
+              </a:ext>
+            </a:extLst>
+          </p:cNvPr>
+          <p:cNvSpPr/>
+          <p:nvPr/>
+        </p:nvSpPr>
+        <p:spPr>
+          <a:xfrm>
+            <a:off x="10561969" y="5522690"/>
+            <a:ext cx="1349103" cy="400110"/>
+          </a:xfrm>
+          <a:prstGeom prst="rect">
+            <a:avLst/>
+          </a:prstGeom>
+          <a:noFill/>
+        </p:spPr>
+        <p:txBody>
+          <a:bodyPr wrap="square" lIns="91440" tIns="45720" rIns="91440" bIns="45720">
+            <a:spAutoFit/>
+          </a:bodyPr>
+          <a:lstStyle/>
+          <a:p>
+            <a:pPr algn="ctr"/>
+            <a:r>
+              <a:rPr lang="ja-JP" altLang="en-US" sz="2000" b="1" dirty="0">
+                <a:ln w="10160">
+                  <a:solidFill>
+                    <a:schemeClr val="accent5"/>
+                  </a:solidFill>
+                  <a:prstDash val="solid"/>
+                </a:ln>
+                <a:solidFill>
+                  <a:srgbClr val="FFFFFF"/>
+                </a:solidFill>
+                <a:effectLst>
+                  <a:outerShdw blurRad="38100" dist="22860" dir="5400000" algn="tl" rotWithShape="0">
+                    <a:srgbClr val="000000">
+                      <a:alpha val="30000"/>
+                    </a:srgbClr>
+                  </a:outerShdw>
+                </a:effectLst>
+              </a:rPr>
+              <a:t>メンバー</a:t>
+            </a:r>
+            <a:endParaRPr lang="ja-JP" altLang="en-US" sz="2000" b="1" cap="none" spc="0" dirty="0">
+              <a:ln w="10160">
+                <a:solidFill>
+                  <a:schemeClr val="accent5"/>
+                </a:solidFill>
+                <a:prstDash val="solid"/>
+              </a:ln>
+              <a:solidFill>
+                <a:srgbClr val="FFFFFF"/>
+              </a:solidFill>
+              <a:effectLst>
+                <a:outerShdw blurRad="38100" dist="22860" dir="5400000" algn="tl" rotWithShape="0">
+                  <a:srgbClr val="000000">
+                    <a:alpha val="30000"/>
+                  </a:srgbClr>
+                </a:outerShdw>
+              </a:effectLst>
+            </a:endParaRPr>
+          </a:p>
+        </p:txBody>
+      </p:sp>
+      <p:sp>
+        <p:nvSpPr>
+          <p:cNvPr id="5" name="正方形/長方形 4">
+            <a:extLst>
+              <a:ext uri="{FF2B5EF4-FFF2-40B4-BE49-F238E27FC236}">
+                <a16:creationId xmlns:a16="http://schemas.microsoft.com/office/drawing/2014/main" id="{2B7A89B4-8B99-667A-A4F2-0DA85513E538}"/>
+              </a:ext>
+            </a:extLst>
+          </p:cNvPr>
+          <p:cNvSpPr/>
+          <p:nvPr/>
+        </p:nvSpPr>
+        <p:spPr>
+          <a:xfrm>
+            <a:off x="6708145" y="5522690"/>
+            <a:ext cx="1349103" cy="400110"/>
+          </a:xfrm>
+          <a:prstGeom prst="rect">
+            <a:avLst/>
+          </a:prstGeom>
+          <a:noFill/>
+        </p:spPr>
+        <p:txBody>
+          <a:bodyPr wrap="square" lIns="91440" tIns="45720" rIns="91440" bIns="45720">
+            <a:spAutoFit/>
+          </a:bodyPr>
+          <a:lstStyle/>
+          <a:p>
+            <a:pPr algn="ctr"/>
+            <a:r>
+              <a:rPr lang="ja-JP" altLang="en-US" sz="2000" b="1" dirty="0">
+                <a:ln w="10160">
+                  <a:solidFill>
+                    <a:schemeClr val="accent5"/>
+                  </a:solidFill>
+                  <a:prstDash val="solid"/>
+                </a:ln>
+                <a:solidFill>
+                  <a:srgbClr val="FFFFFF"/>
+                </a:solidFill>
+                <a:effectLst>
+                  <a:outerShdw blurRad="38100" dist="22860" dir="5400000" algn="tl" rotWithShape="0">
+                    <a:srgbClr val="000000">
+                      <a:alpha val="30000"/>
+                    </a:srgbClr>
+                  </a:outerShdw>
+                </a:effectLst>
+              </a:rPr>
+              <a:t>メンバー</a:t>
+            </a:r>
+            <a:endParaRPr lang="ja-JP" altLang="en-US" sz="2000" b="1" cap="none" spc="0" dirty="0">
+              <a:ln w="10160">
+                <a:solidFill>
+                  <a:schemeClr val="accent5"/>
+                </a:solidFill>
+                <a:prstDash val="solid"/>
+              </a:ln>
+              <a:solidFill>
+                <a:srgbClr val="FFFFFF"/>
+              </a:solidFill>
+              <a:effectLst>
+                <a:outerShdw blurRad="38100" dist="22860" dir="5400000" algn="tl" rotWithShape="0">
+                  <a:srgbClr val="000000">
+                    <a:alpha val="30000"/>
+                  </a:srgbClr>
+                </a:outerShdw>
+              </a:effectLst>
+            </a:endParaRPr>
+          </a:p>
+        </p:txBody>
+      </p:sp>
     </p:spTree>
     <p:extLst>
       <p:ext uri="{BB962C8B-B14F-4D97-AF65-F5344CB8AC3E}">
@@ -4613,12 +4623,12 @@
           <a:graphicData uri="http://schemas.openxmlformats.org/presentationml/2006/ole">
             <mc:AlternateContent xmlns:mc="http://schemas.openxmlformats.org/markup-compatibility/2006">
               <mc:Choice xmlns:v="urn:schemas-microsoft-com:vml" Requires="v">
-                <p:oleObj spid="_x0000_s2059" name="Worksheet" r:id="rId3" imgW="16466855" imgH="5532167" progId="Excel.Sheet.12">
+                <p:oleObj name="Worksheet" r:id="rId2" imgW="16466855" imgH="5532167" progId="Excel.Sheet.12">
                   <p:embed/>
                 </p:oleObj>
               </mc:Choice>
               <mc:Fallback>
-                <p:oleObj name="Worksheet" r:id="rId3" imgW="16466855" imgH="5532167" progId="Excel.Sheet.12">
+                <p:oleObj name="Worksheet" r:id="rId2" imgW="16466855" imgH="5532167" progId="Excel.Sheet.12">
                   <p:embed/>
                   <p:pic>
                     <p:nvPicPr>
@@ -4627,7 +4637,7 @@
                       <p:nvPr/>
                     </p:nvPicPr>
                     <p:blipFill>
-                      <a:blip r:embed="rId4"/>
+                      <a:blip r:embed="rId3"/>
                       <a:stretch>
                         <a:fillRect/>
                       </a:stretch>
@@ -4648,6 +4658,66 @@
           </a:graphicData>
         </a:graphic>
       </p:graphicFrame>
+      <p:pic>
+        <p:nvPicPr>
+          <p:cNvPr id="2053" name="矢印: 右 4">
+            <a:extLst>
+              <a:ext uri="{FF2B5EF4-FFF2-40B4-BE49-F238E27FC236}">
+                <a16:creationId xmlns:a16="http://schemas.microsoft.com/office/drawing/2014/main" id="{E9B42452-FD60-C365-A200-C29760D6D0A1}"/>
+              </a:ext>
+            </a:extLst>
+          </p:cNvPr>
+          <p:cNvPicPr>
+            <a:picLocks noChangeAspect="1" noChangeArrowheads="1"/>
+          </p:cNvPicPr>
+          <p:nvPr/>
+        </p:nvPicPr>
+        <p:blipFill>
+          <a:blip r:embed="rId4">
+            <a:extLst>
+              <a:ext uri="{28A0092B-C50C-407E-A947-70E740481C1C}">
+                <a14:useLocalDpi xmlns:a14="http://schemas.microsoft.com/office/drawing/2010/main" val="0"/>
+              </a:ext>
+            </a:extLst>
+          </a:blip>
+          <a:srcRect/>
+          <a:stretch>
+            <a:fillRect/>
+          </a:stretch>
+        </p:blipFill>
+        <p:spPr bwMode="auto">
+          <a:xfrm>
+            <a:off x="244475" y="190500"/>
+            <a:ext cx="1227138" cy="441325"/>
+          </a:xfrm>
+          <a:prstGeom prst="rect">
+            <a:avLst/>
+          </a:prstGeom>
+          <a:noFill/>
+          <a:ln>
+            <a:noFill/>
+          </a:ln>
+          <a:extLst>
+            <a:ext uri="{909E8E84-426E-40DD-AFC4-6F175D3DCCD1}">
+              <a14:hiddenFill xmlns:a14="http://schemas.microsoft.com/office/drawing/2010/main">
+                <a:solidFill>
+                  <a:srgbClr val="FFFFFF"/>
+                </a:solidFill>
+              </a14:hiddenFill>
+            </a:ext>
+            <a:ext uri="{91240B29-F687-4F45-9708-019B960494DF}">
+              <a14:hiddenLine xmlns:a14="http://schemas.microsoft.com/office/drawing/2010/main" w="9525">
+                <a:solidFill>
+                  <a:srgbClr val="000000"/>
+                </a:solidFill>
+                <a:miter lim="800000"/>
+                <a:headEnd/>
+                <a:tailEnd/>
+              </a14:hiddenLine>
+            </a:ext>
+          </a:extLst>
+        </p:spPr>
+      </p:pic>
     </p:spTree>
     <p:extLst>
       <p:ext uri="{BB962C8B-B14F-4D97-AF65-F5344CB8AC3E}">
